--- a/Diagramme/Filter.pptx
+++ b/Diagramme/Filter.pptx
@@ -3897,6 +3897,98 @@
       </p:grpSpPr>
       <p:sp>
         <p:nvSpPr>
+          <p:cNvPr id="19" name="Rechteck 18"/>
+          <p:cNvSpPr/>
+          <p:nvPr/>
+        </p:nvSpPr>
+        <p:spPr>
+          <a:xfrm>
+            <a:off x="5380526" y="2132856"/>
+            <a:ext cx="432048" cy="1224136"/>
+          </a:xfrm>
+          <a:prstGeom prst="rect">
+            <a:avLst/>
+          </a:prstGeom>
+          <a:solidFill>
+            <a:schemeClr val="tx2">
+              <a:lumMod val="20000"/>
+              <a:lumOff val="80000"/>
+            </a:schemeClr>
+          </a:solidFill>
+        </p:spPr>
+        <p:style>
+          <a:lnRef idx="2">
+            <a:schemeClr val="accent1">
+              <a:shade val="50000"/>
+            </a:schemeClr>
+          </a:lnRef>
+          <a:fillRef idx="1">
+            <a:schemeClr val="accent1"/>
+          </a:fillRef>
+          <a:effectRef idx="0">
+            <a:schemeClr val="accent1"/>
+          </a:effectRef>
+          <a:fontRef idx="minor">
+            <a:schemeClr val="lt1"/>
+          </a:fontRef>
+        </p:style>
+        <p:txBody>
+          <a:bodyPr rtlCol="0" anchor="ctr"/>
+          <a:lstStyle/>
+          <a:p>
+            <a:pPr algn="ctr"/>
+            <a:endParaRPr lang="de-DE"/>
+          </a:p>
+        </p:txBody>
+      </p:sp>
+      <p:sp>
+        <p:nvSpPr>
+          <p:cNvPr id="23" name="Rechteck 22"/>
+          <p:cNvSpPr/>
+          <p:nvPr/>
+        </p:nvSpPr>
+        <p:spPr>
+          <a:xfrm>
+            <a:off x="3779912" y="3451310"/>
+            <a:ext cx="432048" cy="1224136"/>
+          </a:xfrm>
+          <a:prstGeom prst="rect">
+            <a:avLst/>
+          </a:prstGeom>
+          <a:solidFill>
+            <a:schemeClr val="tx2">
+              <a:lumMod val="20000"/>
+              <a:lumOff val="80000"/>
+            </a:schemeClr>
+          </a:solidFill>
+        </p:spPr>
+        <p:style>
+          <a:lnRef idx="2">
+            <a:schemeClr val="accent1">
+              <a:shade val="50000"/>
+            </a:schemeClr>
+          </a:lnRef>
+          <a:fillRef idx="1">
+            <a:schemeClr val="accent1"/>
+          </a:fillRef>
+          <a:effectRef idx="0">
+            <a:schemeClr val="accent1"/>
+          </a:effectRef>
+          <a:fontRef idx="minor">
+            <a:schemeClr val="lt1"/>
+          </a:fontRef>
+        </p:style>
+        <p:txBody>
+          <a:bodyPr rtlCol="0" anchor="ctr"/>
+          <a:lstStyle/>
+          <a:p>
+            <a:pPr algn="ctr"/>
+            <a:endParaRPr lang="de-DE"/>
+          </a:p>
+        </p:txBody>
+      </p:sp>
+      <p:sp>
+        <p:nvSpPr>
           <p:cNvPr id="2" name="Rechteck 1"/>
           <p:cNvSpPr/>
           <p:nvPr/>
@@ -4231,24 +4323,26 @@
       </p:sp>
       <p:sp>
         <p:nvSpPr>
-          <p:cNvPr id="19" name="Rechteck 18"/>
+          <p:cNvPr id="21" name="Rechteck 20"/>
           <p:cNvSpPr/>
           <p:nvPr/>
         </p:nvSpPr>
         <p:spPr>
           <a:xfrm>
-            <a:off x="5380526" y="2132856"/>
-            <a:ext cx="432048" cy="1224136"/>
+            <a:off x="5380526" y="3356992"/>
+            <a:ext cx="432048" cy="1335158"/>
           </a:xfrm>
           <a:prstGeom prst="rect">
             <a:avLst/>
           </a:prstGeom>
-          <a:solidFill>
-            <a:schemeClr val="tx2">
-              <a:lumMod val="20000"/>
-              <a:lumOff val="80000"/>
-            </a:schemeClr>
-          </a:solidFill>
+          <a:pattFill prst="lgGrid">
+            <a:fgClr>
+              <a:schemeClr val="accent1"/>
+            </a:fgClr>
+            <a:bgClr>
+              <a:schemeClr val="bg1"/>
+            </a:bgClr>
+          </a:pattFill>
         </p:spPr>
         <p:style>
           <a:lnRef idx="2">
@@ -4277,54 +4371,6 @@
       </p:sp>
       <p:sp>
         <p:nvSpPr>
-          <p:cNvPr id="21" name="Rechteck 20"/>
-          <p:cNvSpPr/>
-          <p:nvPr/>
-        </p:nvSpPr>
-        <p:spPr>
-          <a:xfrm>
-            <a:off x="5380526" y="3356992"/>
-            <a:ext cx="432048" cy="1335158"/>
-          </a:xfrm>
-          <a:prstGeom prst="rect">
-            <a:avLst/>
-          </a:prstGeom>
-          <a:pattFill prst="lgGrid">
-            <a:fgClr>
-              <a:schemeClr val="accent1"/>
-            </a:fgClr>
-            <a:bgClr>
-              <a:schemeClr val="bg1"/>
-            </a:bgClr>
-          </a:pattFill>
-        </p:spPr>
-        <p:style>
-          <a:lnRef idx="2">
-            <a:schemeClr val="accent1">
-              <a:shade val="50000"/>
-            </a:schemeClr>
-          </a:lnRef>
-          <a:fillRef idx="1">
-            <a:schemeClr val="accent1"/>
-          </a:fillRef>
-          <a:effectRef idx="0">
-            <a:schemeClr val="accent1"/>
-          </a:effectRef>
-          <a:fontRef idx="minor">
-            <a:schemeClr val="lt1"/>
-          </a:fontRef>
-        </p:style>
-        <p:txBody>
-          <a:bodyPr rtlCol="0" anchor="ctr"/>
-          <a:lstStyle/>
-          <a:p>
-            <a:pPr algn="ctr"/>
-            <a:endParaRPr lang="de-DE"/>
-          </a:p>
-        </p:txBody>
-      </p:sp>
-      <p:sp>
-        <p:nvSpPr>
           <p:cNvPr id="22" name="Textfeld 21"/>
           <p:cNvSpPr txBox="1"/>
           <p:nvPr/>
@@ -4349,52 +4395,6 @@
               <a:rPr lang="de-DE" smtClean="0"/>
               <a:t>Filter B</a:t>
             </a:r>
-            <a:endParaRPr lang="de-DE"/>
-          </a:p>
-        </p:txBody>
-      </p:sp>
-      <p:sp>
-        <p:nvSpPr>
-          <p:cNvPr id="23" name="Rechteck 22"/>
-          <p:cNvSpPr/>
-          <p:nvPr/>
-        </p:nvSpPr>
-        <p:spPr>
-          <a:xfrm>
-            <a:off x="3779912" y="3451310"/>
-            <a:ext cx="432048" cy="1224136"/>
-          </a:xfrm>
-          <a:prstGeom prst="rect">
-            <a:avLst/>
-          </a:prstGeom>
-          <a:solidFill>
-            <a:schemeClr val="tx2">
-              <a:lumMod val="20000"/>
-              <a:lumOff val="80000"/>
-            </a:schemeClr>
-          </a:solidFill>
-        </p:spPr>
-        <p:style>
-          <a:lnRef idx="2">
-            <a:schemeClr val="accent1">
-              <a:shade val="50000"/>
-            </a:schemeClr>
-          </a:lnRef>
-          <a:fillRef idx="1">
-            <a:schemeClr val="accent1"/>
-          </a:fillRef>
-          <a:effectRef idx="0">
-            <a:schemeClr val="accent1"/>
-          </a:effectRef>
-          <a:fontRef idx="minor">
-            <a:schemeClr val="lt1"/>
-          </a:fontRef>
-        </p:style>
-        <p:txBody>
-          <a:bodyPr rtlCol="0" anchor="ctr"/>
-          <a:lstStyle/>
-          <a:p>
-            <a:pPr algn="ctr"/>
             <a:endParaRPr lang="de-DE"/>
           </a:p>
         </p:txBody>

--- a/Diagramme/Filter.pptx
+++ b/Diagramme/Filter.pptx
@@ -8,6 +8,10 @@
     <p:sldId id="256" r:id="rId2"/>
     <p:sldId id="257" r:id="rId3"/>
     <p:sldId id="259" r:id="rId4"/>
+    <p:sldId id="260" r:id="rId5"/>
+    <p:sldId id="261" r:id="rId6"/>
+    <p:sldId id="262" r:id="rId7"/>
+    <p:sldId id="263" r:id="rId8"/>
   </p:sldIdLst>
   <p:sldSz cx="9144000" cy="6858000" type="screen4x3"/>
   <p:notesSz cx="6858000" cy="9144000"/>
@@ -290,7 +294,7 @@
           <a:p>
             <a:fld id="{1BA50D42-C9CD-4801-B293-61D1F53EC57E}" type="datetimeFigureOut">
               <a:rPr lang="de-DE" smtClean="0"/>
-              <a:t>03.05.2017</a:t>
+              <a:t>04.05.2017</a:t>
             </a:fld>
             <a:endParaRPr lang="de-DE"/>
           </a:p>
@@ -455,7 +459,7 @@
           <a:p>
             <a:fld id="{1BA50D42-C9CD-4801-B293-61D1F53EC57E}" type="datetimeFigureOut">
               <a:rPr lang="de-DE" smtClean="0"/>
-              <a:t>03.05.2017</a:t>
+              <a:t>04.05.2017</a:t>
             </a:fld>
             <a:endParaRPr lang="de-DE"/>
           </a:p>
@@ -630,7 +634,7 @@
           <a:p>
             <a:fld id="{1BA50D42-C9CD-4801-B293-61D1F53EC57E}" type="datetimeFigureOut">
               <a:rPr lang="de-DE" smtClean="0"/>
-              <a:t>03.05.2017</a:t>
+              <a:t>04.05.2017</a:t>
             </a:fld>
             <a:endParaRPr lang="de-DE"/>
           </a:p>
@@ -795,7 +799,7 @@
           <a:p>
             <a:fld id="{1BA50D42-C9CD-4801-B293-61D1F53EC57E}" type="datetimeFigureOut">
               <a:rPr lang="de-DE" smtClean="0"/>
-              <a:t>03.05.2017</a:t>
+              <a:t>04.05.2017</a:t>
             </a:fld>
             <a:endParaRPr lang="de-DE"/>
           </a:p>
@@ -1036,7 +1040,7 @@
           <a:p>
             <a:fld id="{1BA50D42-C9CD-4801-B293-61D1F53EC57E}" type="datetimeFigureOut">
               <a:rPr lang="de-DE" smtClean="0"/>
-              <a:t>03.05.2017</a:t>
+              <a:t>04.05.2017</a:t>
             </a:fld>
             <a:endParaRPr lang="de-DE"/>
           </a:p>
@@ -1319,7 +1323,7 @@
           <a:p>
             <a:fld id="{1BA50D42-C9CD-4801-B293-61D1F53EC57E}" type="datetimeFigureOut">
               <a:rPr lang="de-DE" smtClean="0"/>
-              <a:t>03.05.2017</a:t>
+              <a:t>04.05.2017</a:t>
             </a:fld>
             <a:endParaRPr lang="de-DE"/>
           </a:p>
@@ -1736,7 +1740,7 @@
           <a:p>
             <a:fld id="{1BA50D42-C9CD-4801-B293-61D1F53EC57E}" type="datetimeFigureOut">
               <a:rPr lang="de-DE" smtClean="0"/>
-              <a:t>03.05.2017</a:t>
+              <a:t>04.05.2017</a:t>
             </a:fld>
             <a:endParaRPr lang="de-DE"/>
           </a:p>
@@ -1849,7 +1853,7 @@
           <a:p>
             <a:fld id="{1BA50D42-C9CD-4801-B293-61D1F53EC57E}" type="datetimeFigureOut">
               <a:rPr lang="de-DE" smtClean="0"/>
-              <a:t>03.05.2017</a:t>
+              <a:t>04.05.2017</a:t>
             </a:fld>
             <a:endParaRPr lang="de-DE"/>
           </a:p>
@@ -1939,7 +1943,7 @@
           <a:p>
             <a:fld id="{1BA50D42-C9CD-4801-B293-61D1F53EC57E}" type="datetimeFigureOut">
               <a:rPr lang="de-DE" smtClean="0"/>
-              <a:t>03.05.2017</a:t>
+              <a:t>04.05.2017</a:t>
             </a:fld>
             <a:endParaRPr lang="de-DE"/>
           </a:p>
@@ -2211,7 +2215,7 @@
           <a:p>
             <a:fld id="{1BA50D42-C9CD-4801-B293-61D1F53EC57E}" type="datetimeFigureOut">
               <a:rPr lang="de-DE" smtClean="0"/>
-              <a:t>03.05.2017</a:t>
+              <a:t>04.05.2017</a:t>
             </a:fld>
             <a:endParaRPr lang="de-DE"/>
           </a:p>
@@ -2459,7 +2463,7 @@
           <a:p>
             <a:fld id="{1BA50D42-C9CD-4801-B293-61D1F53EC57E}" type="datetimeFigureOut">
               <a:rPr lang="de-DE" smtClean="0"/>
-              <a:t>03.05.2017</a:t>
+              <a:t>04.05.2017</a:t>
             </a:fld>
             <a:endParaRPr lang="de-DE"/>
           </a:p>
@@ -2667,7 +2671,7 @@
           <a:p>
             <a:fld id="{1BA50D42-C9CD-4801-B293-61D1F53EC57E}" type="datetimeFigureOut">
               <a:rPr lang="de-DE" smtClean="0"/>
-              <a:t>03.05.2017</a:t>
+              <a:t>04.05.2017</a:t>
             </a:fld>
             <a:endParaRPr lang="de-DE"/>
           </a:p>
@@ -4481,6 +4485,2451 @@
     <p:extLst>
       <p:ext uri="{BB962C8B-B14F-4D97-AF65-F5344CB8AC3E}">
         <p14:creationId xmlns:p14="http://schemas.microsoft.com/office/powerpoint/2010/main" val="4053302952"/>
+      </p:ext>
+    </p:extLst>
+  </p:cSld>
+  <p:clrMapOvr>
+    <a:masterClrMapping/>
+  </p:clrMapOvr>
+</p:sld>
+</file>
+
+<file path=ppt/slides/slide4.xml><?xml version="1.0" encoding="utf-8"?>
+<p:sld xmlns:a="http://schemas.openxmlformats.org/drawingml/2006/main" xmlns:r="http://schemas.openxmlformats.org/officeDocument/2006/relationships" xmlns:p="http://schemas.openxmlformats.org/presentationml/2006/main">
+  <p:cSld>
+    <p:spTree>
+      <p:nvGrpSpPr>
+        <p:cNvPr id="1" name=""/>
+        <p:cNvGrpSpPr/>
+        <p:nvPr/>
+      </p:nvGrpSpPr>
+      <p:grpSpPr>
+        <a:xfrm>
+          <a:off x="0" y="0"/>
+          <a:ext cx="0" cy="0"/>
+          <a:chOff x="0" y="0"/>
+          <a:chExt cx="0" cy="0"/>
+        </a:xfrm>
+      </p:grpSpPr>
+      <p:sp>
+        <p:nvSpPr>
+          <p:cNvPr id="3" name="Inhaltsplatzhalter 2"/>
+          <p:cNvSpPr>
+            <a:spLocks noGrp="1"/>
+          </p:cNvSpPr>
+          <p:nvPr>
+            <p:ph idx="1"/>
+          </p:nvPr>
+        </p:nvSpPr>
+        <p:spPr/>
+        <p:txBody>
+          <a:bodyPr/>
+          <a:lstStyle/>
+          <a:p>
+            <a:r>
+              <a:rPr lang="de-DE" smtClean="0"/>
+              <a:t>Response-Filter, mit dem die Texte vom Response-Body zu Großbuchstaben umgewandelt werden</a:t>
+            </a:r>
+            <a:endParaRPr lang="de-DE"/>
+          </a:p>
+        </p:txBody>
+      </p:sp>
+    </p:spTree>
+    <p:extLst>
+      <p:ext uri="{BB962C8B-B14F-4D97-AF65-F5344CB8AC3E}">
+        <p14:creationId xmlns:p14="http://schemas.microsoft.com/office/powerpoint/2010/main" val="3674428803"/>
+      </p:ext>
+    </p:extLst>
+  </p:cSld>
+  <p:clrMapOvr>
+    <a:masterClrMapping/>
+  </p:clrMapOvr>
+</p:sld>
+</file>
+
+<file path=ppt/slides/slide5.xml><?xml version="1.0" encoding="utf-8"?>
+<p:sld xmlns:a="http://schemas.openxmlformats.org/drawingml/2006/main" xmlns:r="http://schemas.openxmlformats.org/officeDocument/2006/relationships" xmlns:p="http://schemas.openxmlformats.org/presentationml/2006/main">
+  <p:cSld>
+    <p:spTree>
+      <p:nvGrpSpPr>
+        <p:cNvPr id="1" name=""/>
+        <p:cNvGrpSpPr/>
+        <p:nvPr/>
+      </p:nvGrpSpPr>
+      <p:grpSpPr>
+        <a:xfrm>
+          <a:off x="0" y="0"/>
+          <a:ext cx="0" cy="0"/>
+          <a:chOff x="0" y="0"/>
+          <a:chExt cx="0" cy="0"/>
+        </a:xfrm>
+      </p:grpSpPr>
+      <p:sp>
+        <p:nvSpPr>
+          <p:cNvPr id="4" name="Textfeld 3"/>
+          <p:cNvSpPr txBox="1"/>
+          <p:nvPr/>
+        </p:nvSpPr>
+        <p:spPr>
+          <a:xfrm>
+            <a:off x="4548" y="38068"/>
+            <a:ext cx="2389372" cy="369332"/>
+          </a:xfrm>
+          <a:prstGeom prst="rect">
+            <a:avLst/>
+          </a:prstGeom>
+          <a:noFill/>
+        </p:spPr>
+        <p:txBody>
+          <a:bodyPr wrap="none" rtlCol="0">
+            <a:spAutoFit/>
+          </a:bodyPr>
+          <a:lstStyle/>
+          <a:p>
+            <a:r>
+              <a:rPr lang="de-DE" b="1" smtClean="0"/>
+              <a:t>Ohne Uppercase-Filter:</a:t>
+            </a:r>
+            <a:endParaRPr lang="de-DE" b="1"/>
+          </a:p>
+        </p:txBody>
+      </p:sp>
+      <p:cxnSp>
+        <p:nvCxnSpPr>
+          <p:cNvPr id="6" name="Gerade Verbindung 5"/>
+          <p:cNvCxnSpPr/>
+          <p:nvPr/>
+        </p:nvCxnSpPr>
+        <p:spPr>
+          <a:xfrm>
+            <a:off x="827584" y="836712"/>
+            <a:ext cx="0" cy="5832648"/>
+          </a:xfrm>
+          <a:prstGeom prst="line">
+            <a:avLst/>
+          </a:prstGeom>
+        </p:spPr>
+        <p:style>
+          <a:lnRef idx="1">
+            <a:schemeClr val="accent1"/>
+          </a:lnRef>
+          <a:fillRef idx="0">
+            <a:schemeClr val="accent1"/>
+          </a:fillRef>
+          <a:effectRef idx="0">
+            <a:schemeClr val="accent1"/>
+          </a:effectRef>
+          <a:fontRef idx="minor">
+            <a:schemeClr val="tx1"/>
+          </a:fontRef>
+        </p:style>
+      </p:cxnSp>
+      <p:sp>
+        <p:nvSpPr>
+          <p:cNvPr id="7" name="Smiley 6"/>
+          <p:cNvSpPr/>
+          <p:nvPr/>
+        </p:nvSpPr>
+        <p:spPr>
+          <a:xfrm>
+            <a:off x="179512" y="1700808"/>
+            <a:ext cx="360040" cy="360040"/>
+          </a:xfrm>
+          <a:prstGeom prst="smileyFace">
+            <a:avLst/>
+          </a:prstGeom>
+        </p:spPr>
+        <p:style>
+          <a:lnRef idx="2">
+            <a:schemeClr val="accent1">
+              <a:shade val="50000"/>
+            </a:schemeClr>
+          </a:lnRef>
+          <a:fillRef idx="1">
+            <a:schemeClr val="accent1"/>
+          </a:fillRef>
+          <a:effectRef idx="0">
+            <a:schemeClr val="accent1"/>
+          </a:effectRef>
+          <a:fontRef idx="minor">
+            <a:schemeClr val="lt1"/>
+          </a:fontRef>
+        </p:style>
+        <p:txBody>
+          <a:bodyPr rtlCol="0" anchor="ctr"/>
+          <a:lstStyle/>
+          <a:p>
+            <a:pPr algn="ctr"/>
+            <a:endParaRPr lang="de-DE"/>
+          </a:p>
+        </p:txBody>
+      </p:sp>
+      <p:sp>
+        <p:nvSpPr>
+          <p:cNvPr id="8" name="Textfeld 7"/>
+          <p:cNvSpPr txBox="1"/>
+          <p:nvPr/>
+        </p:nvSpPr>
+        <p:spPr>
+          <a:xfrm>
+            <a:off x="3275856" y="5277401"/>
+            <a:ext cx="2760499" cy="1200329"/>
+          </a:xfrm>
+          <a:prstGeom prst="rect">
+            <a:avLst/>
+          </a:prstGeom>
+          <a:noFill/>
+        </p:spPr>
+        <p:txBody>
+          <a:bodyPr wrap="none" rtlCol="0">
+            <a:spAutoFit/>
+          </a:bodyPr>
+          <a:lstStyle/>
+          <a:p>
+            <a:r>
+              <a:rPr lang="de-DE" sz="1200" smtClean="0"/>
+              <a:t>Servlet:</a:t>
+            </a:r>
+          </a:p>
+          <a:p>
+            <a:endParaRPr lang="de-DE" sz="1200"/>
+          </a:p>
+          <a:p>
+            <a:r>
+              <a:rPr lang="de-DE" sz="1200" smtClean="0"/>
+              <a:t>… service(request, response) {</a:t>
+            </a:r>
+          </a:p>
+          <a:p>
+            <a:r>
+              <a:rPr lang="de-DE" sz="1200" smtClean="0"/>
+              <a:t>    PrintWriter out = response.getWriter();</a:t>
+            </a:r>
+          </a:p>
+          <a:p>
+            <a:r>
+              <a:rPr lang="de-DE" sz="1200"/>
+              <a:t> </a:t>
+            </a:r>
+            <a:r>
+              <a:rPr lang="de-DE" sz="1200" smtClean="0"/>
+              <a:t>   out.print(„Hallo Welt“);</a:t>
+            </a:r>
+            <a:endParaRPr lang="de-DE" sz="1200"/>
+          </a:p>
+          <a:p>
+            <a:r>
+              <a:rPr lang="de-DE" sz="1200" smtClean="0"/>
+              <a:t>}</a:t>
+            </a:r>
+            <a:endParaRPr lang="de-DE" sz="1200"/>
+          </a:p>
+        </p:txBody>
+      </p:sp>
+      <p:cxnSp>
+        <p:nvCxnSpPr>
+          <p:cNvPr id="10" name="Gerade Verbindung mit Pfeil 9"/>
+          <p:cNvCxnSpPr/>
+          <p:nvPr/>
+        </p:nvCxnSpPr>
+        <p:spPr>
+          <a:xfrm>
+            <a:off x="359532" y="2348880"/>
+            <a:ext cx="1116124" cy="0"/>
+          </a:xfrm>
+          <a:prstGeom prst="straightConnector1">
+            <a:avLst/>
+          </a:prstGeom>
+          <a:ln>
+            <a:tailEnd type="arrow"/>
+          </a:ln>
+        </p:spPr>
+        <p:style>
+          <a:lnRef idx="1">
+            <a:schemeClr val="accent1"/>
+          </a:lnRef>
+          <a:fillRef idx="0">
+            <a:schemeClr val="accent1"/>
+          </a:fillRef>
+          <a:effectRef idx="0">
+            <a:schemeClr val="accent1"/>
+          </a:effectRef>
+          <a:fontRef idx="minor">
+            <a:schemeClr val="tx1"/>
+          </a:fontRef>
+        </p:style>
+      </p:cxnSp>
+      <p:sp>
+        <p:nvSpPr>
+          <p:cNvPr id="12" name="Textfeld 11"/>
+          <p:cNvSpPr txBox="1"/>
+          <p:nvPr/>
+        </p:nvSpPr>
+        <p:spPr>
+          <a:xfrm>
+            <a:off x="344799" y="2391873"/>
+            <a:ext cx="1138710" cy="307777"/>
+          </a:xfrm>
+          <a:prstGeom prst="rect">
+            <a:avLst/>
+          </a:prstGeom>
+          <a:noFill/>
+        </p:spPr>
+        <p:txBody>
+          <a:bodyPr wrap="none" rtlCol="0">
+            <a:spAutoFit/>
+          </a:bodyPr>
+          <a:lstStyle/>
+          <a:p>
+            <a:r>
+              <a:rPr lang="de-DE" sz="1400" smtClean="0"/>
+              <a:t>http-Request</a:t>
+            </a:r>
+            <a:endParaRPr lang="de-DE" sz="1400"/>
+          </a:p>
+        </p:txBody>
+      </p:sp>
+      <p:sp>
+        <p:nvSpPr>
+          <p:cNvPr id="13" name="Rechteck 12"/>
+          <p:cNvSpPr/>
+          <p:nvPr/>
+        </p:nvSpPr>
+        <p:spPr>
+          <a:xfrm>
+            <a:off x="4792618" y="1196752"/>
+            <a:ext cx="648072" cy="340897"/>
+          </a:xfrm>
+          <a:prstGeom prst="rect">
+            <a:avLst/>
+          </a:prstGeom>
+        </p:spPr>
+        <p:style>
+          <a:lnRef idx="2">
+            <a:schemeClr val="accent1">
+              <a:shade val="50000"/>
+            </a:schemeClr>
+          </a:lnRef>
+          <a:fillRef idx="1">
+            <a:schemeClr val="accent1"/>
+          </a:fillRef>
+          <a:effectRef idx="0">
+            <a:schemeClr val="accent1"/>
+          </a:effectRef>
+          <a:fontRef idx="minor">
+            <a:schemeClr val="lt1"/>
+          </a:fontRef>
+        </p:style>
+        <p:txBody>
+          <a:bodyPr rtlCol="0" anchor="ctr"/>
+          <a:lstStyle/>
+          <a:p>
+            <a:pPr algn="ctr"/>
+            <a:endParaRPr lang="de-DE"/>
+          </a:p>
+        </p:txBody>
+      </p:sp>
+      <p:sp>
+        <p:nvSpPr>
+          <p:cNvPr id="14" name="Textfeld 13"/>
+          <p:cNvSpPr txBox="1"/>
+          <p:nvPr/>
+        </p:nvSpPr>
+        <p:spPr>
+          <a:xfrm>
+            <a:off x="5018059" y="898847"/>
+            <a:ext cx="1612364" cy="307777"/>
+          </a:xfrm>
+          <a:prstGeom prst="rect">
+            <a:avLst/>
+          </a:prstGeom>
+          <a:noFill/>
+        </p:spPr>
+        <p:txBody>
+          <a:bodyPr wrap="none" rtlCol="0">
+            <a:spAutoFit/>
+          </a:bodyPr>
+          <a:lstStyle/>
+          <a:p>
+            <a:r>
+              <a:rPr lang="de-DE" sz="1400" smtClean="0"/>
+              <a:t>HttpServletRequest</a:t>
+            </a:r>
+            <a:endParaRPr lang="de-DE" sz="1400"/>
+          </a:p>
+        </p:txBody>
+      </p:sp>
+      <p:sp>
+        <p:nvSpPr>
+          <p:cNvPr id="15" name="Rechteck 14"/>
+          <p:cNvSpPr/>
+          <p:nvPr/>
+        </p:nvSpPr>
+        <p:spPr>
+          <a:xfrm>
+            <a:off x="2801902" y="1986104"/>
+            <a:ext cx="648072" cy="340897"/>
+          </a:xfrm>
+          <a:prstGeom prst="rect">
+            <a:avLst/>
+          </a:prstGeom>
+        </p:spPr>
+        <p:style>
+          <a:lnRef idx="2">
+            <a:schemeClr val="accent1">
+              <a:shade val="50000"/>
+            </a:schemeClr>
+          </a:lnRef>
+          <a:fillRef idx="1">
+            <a:schemeClr val="accent1"/>
+          </a:fillRef>
+          <a:effectRef idx="0">
+            <a:schemeClr val="accent1"/>
+          </a:effectRef>
+          <a:fontRef idx="minor">
+            <a:schemeClr val="lt1"/>
+          </a:fontRef>
+        </p:style>
+        <p:txBody>
+          <a:bodyPr rtlCol="0" anchor="ctr"/>
+          <a:lstStyle/>
+          <a:p>
+            <a:pPr algn="ctr"/>
+            <a:r>
+              <a:rPr lang="de-DE" sz="1400" smtClean="0"/>
+              <a:t>out</a:t>
+            </a:r>
+            <a:endParaRPr lang="de-DE" sz="1400"/>
+          </a:p>
+        </p:txBody>
+      </p:sp>
+      <p:sp>
+        <p:nvSpPr>
+          <p:cNvPr id="16" name="Textfeld 15"/>
+          <p:cNvSpPr txBox="1"/>
+          <p:nvPr/>
+        </p:nvSpPr>
+        <p:spPr>
+          <a:xfrm>
+            <a:off x="3027343" y="1688199"/>
+            <a:ext cx="1718547" cy="307777"/>
+          </a:xfrm>
+          <a:prstGeom prst="rect">
+            <a:avLst/>
+          </a:prstGeom>
+          <a:noFill/>
+        </p:spPr>
+        <p:txBody>
+          <a:bodyPr wrap="none" rtlCol="0">
+            <a:spAutoFit/>
+          </a:bodyPr>
+          <a:lstStyle/>
+          <a:p>
+            <a:r>
+              <a:rPr lang="de-DE" sz="1400" smtClean="0"/>
+              <a:t>HttpServletResponse</a:t>
+            </a:r>
+            <a:endParaRPr lang="de-DE" sz="1400"/>
+          </a:p>
+        </p:txBody>
+      </p:sp>
+      <p:sp>
+        <p:nvSpPr>
+          <p:cNvPr id="17" name="Rechteck 16"/>
+          <p:cNvSpPr/>
+          <p:nvPr/>
+        </p:nvSpPr>
+        <p:spPr>
+          <a:xfrm>
+            <a:off x="2195736" y="2699650"/>
+            <a:ext cx="648072" cy="340897"/>
+          </a:xfrm>
+          <a:prstGeom prst="rect">
+            <a:avLst/>
+          </a:prstGeom>
+        </p:spPr>
+        <p:style>
+          <a:lnRef idx="2">
+            <a:schemeClr val="accent1">
+              <a:shade val="50000"/>
+            </a:schemeClr>
+          </a:lnRef>
+          <a:fillRef idx="1">
+            <a:schemeClr val="accent1"/>
+          </a:fillRef>
+          <a:effectRef idx="0">
+            <a:schemeClr val="accent1"/>
+          </a:effectRef>
+          <a:fontRef idx="minor">
+            <a:schemeClr val="lt1"/>
+          </a:fontRef>
+        </p:style>
+        <p:txBody>
+          <a:bodyPr rtlCol="0" anchor="ctr"/>
+          <a:lstStyle/>
+          <a:p>
+            <a:pPr algn="ctr"/>
+            <a:endParaRPr lang="de-DE"/>
+          </a:p>
+        </p:txBody>
+      </p:sp>
+      <p:sp>
+        <p:nvSpPr>
+          <p:cNvPr id="18" name="Textfeld 17"/>
+          <p:cNvSpPr txBox="1"/>
+          <p:nvPr/>
+        </p:nvSpPr>
+        <p:spPr>
+          <a:xfrm>
+            <a:off x="2422665" y="2545760"/>
+            <a:ext cx="1006173" cy="307777"/>
+          </a:xfrm>
+          <a:prstGeom prst="rect">
+            <a:avLst/>
+          </a:prstGeom>
+          <a:noFill/>
+        </p:spPr>
+        <p:txBody>
+          <a:bodyPr wrap="none" rtlCol="0">
+            <a:spAutoFit/>
+          </a:bodyPr>
+          <a:lstStyle/>
+          <a:p>
+            <a:r>
+              <a:rPr lang="de-DE" sz="1400" smtClean="0"/>
+              <a:t>PrintWriter</a:t>
+            </a:r>
+            <a:endParaRPr lang="de-DE" sz="1400"/>
+          </a:p>
+        </p:txBody>
+      </p:sp>
+      <p:cxnSp>
+        <p:nvCxnSpPr>
+          <p:cNvPr id="20" name="Gerade Verbindung mit Pfeil 19"/>
+          <p:cNvCxnSpPr/>
+          <p:nvPr/>
+        </p:nvCxnSpPr>
+        <p:spPr>
+          <a:xfrm flipH="1">
+            <a:off x="2393920" y="2156552"/>
+            <a:ext cx="633423" cy="543096"/>
+          </a:xfrm>
+          <a:prstGeom prst="straightConnector1">
+            <a:avLst/>
+          </a:prstGeom>
+          <a:ln>
+            <a:solidFill>
+              <a:srgbClr val="FF0000"/>
+            </a:solidFill>
+            <a:tailEnd type="arrow"/>
+          </a:ln>
+        </p:spPr>
+        <p:style>
+          <a:lnRef idx="1">
+            <a:schemeClr val="accent1"/>
+          </a:lnRef>
+          <a:fillRef idx="0">
+            <a:schemeClr val="accent1"/>
+          </a:fillRef>
+          <a:effectRef idx="0">
+            <a:schemeClr val="accent1"/>
+          </a:effectRef>
+          <a:fontRef idx="minor">
+            <a:schemeClr val="tx1"/>
+          </a:fontRef>
+        </p:style>
+      </p:cxnSp>
+      <p:cxnSp>
+        <p:nvCxnSpPr>
+          <p:cNvPr id="23" name="Gerade Verbindung mit Pfeil 22"/>
+          <p:cNvCxnSpPr/>
+          <p:nvPr/>
+        </p:nvCxnSpPr>
+        <p:spPr>
+          <a:xfrm flipH="1">
+            <a:off x="4211960" y="1688199"/>
+            <a:ext cx="1228730" cy="4045057"/>
+          </a:xfrm>
+          <a:prstGeom prst="straightConnector1">
+            <a:avLst/>
+          </a:prstGeom>
+          <a:ln>
+            <a:prstDash val="lgDash"/>
+            <a:tailEnd type="arrow"/>
+          </a:ln>
+        </p:spPr>
+        <p:style>
+          <a:lnRef idx="1">
+            <a:schemeClr val="accent1"/>
+          </a:lnRef>
+          <a:fillRef idx="0">
+            <a:schemeClr val="accent1"/>
+          </a:fillRef>
+          <a:effectRef idx="0">
+            <a:schemeClr val="accent1"/>
+          </a:effectRef>
+          <a:fontRef idx="minor">
+            <a:schemeClr val="tx1"/>
+          </a:fontRef>
+        </p:style>
+      </p:cxnSp>
+      <p:cxnSp>
+        <p:nvCxnSpPr>
+          <p:cNvPr id="24" name="Gerade Verbindung mit Pfeil 23"/>
+          <p:cNvCxnSpPr/>
+          <p:nvPr/>
+        </p:nvCxnSpPr>
+        <p:spPr>
+          <a:xfrm>
+            <a:off x="3635896" y="2286474"/>
+            <a:ext cx="1382163" cy="3446782"/>
+          </a:xfrm>
+          <a:prstGeom prst="straightConnector1">
+            <a:avLst/>
+          </a:prstGeom>
+          <a:ln>
+            <a:prstDash val="lgDash"/>
+            <a:tailEnd type="arrow"/>
+          </a:ln>
+        </p:spPr>
+        <p:style>
+          <a:lnRef idx="1">
+            <a:schemeClr val="accent1"/>
+          </a:lnRef>
+          <a:fillRef idx="0">
+            <a:schemeClr val="accent1"/>
+          </a:fillRef>
+          <a:effectRef idx="0">
+            <a:schemeClr val="accent1"/>
+          </a:effectRef>
+          <a:fontRef idx="minor">
+            <a:schemeClr val="tx1"/>
+          </a:fontRef>
+        </p:style>
+      </p:cxnSp>
+      <p:cxnSp>
+        <p:nvCxnSpPr>
+          <p:cNvPr id="26" name="Gerade Verbindung mit Pfeil 25"/>
+          <p:cNvCxnSpPr/>
+          <p:nvPr/>
+        </p:nvCxnSpPr>
+        <p:spPr>
+          <a:xfrm flipH="1" flipV="1">
+            <a:off x="2710633" y="3212976"/>
+            <a:ext cx="739341" cy="2880320"/>
+          </a:xfrm>
+          <a:prstGeom prst="straightConnector1">
+            <a:avLst/>
+          </a:prstGeom>
+          <a:ln>
+            <a:prstDash val="lgDash"/>
+            <a:tailEnd type="arrow"/>
+          </a:ln>
+        </p:spPr>
+        <p:style>
+          <a:lnRef idx="1">
+            <a:schemeClr val="accent1"/>
+          </a:lnRef>
+          <a:fillRef idx="0">
+            <a:schemeClr val="accent1"/>
+          </a:fillRef>
+          <a:effectRef idx="0">
+            <a:schemeClr val="accent1"/>
+          </a:effectRef>
+          <a:fontRef idx="minor">
+            <a:schemeClr val="tx1"/>
+          </a:fontRef>
+        </p:style>
+      </p:cxnSp>
+      <p:sp>
+        <p:nvSpPr>
+          <p:cNvPr id="30" name="Textfeld 29"/>
+          <p:cNvSpPr txBox="1"/>
+          <p:nvPr/>
+        </p:nvSpPr>
+        <p:spPr>
+          <a:xfrm>
+            <a:off x="2329691" y="4060813"/>
+            <a:ext cx="1099147" cy="307777"/>
+          </a:xfrm>
+          <a:prstGeom prst="rect">
+            <a:avLst/>
+          </a:prstGeom>
+          <a:noFill/>
+        </p:spPr>
+        <p:txBody>
+          <a:bodyPr wrap="none" rtlCol="0">
+            <a:spAutoFit/>
+          </a:bodyPr>
+          <a:lstStyle/>
+          <a:p>
+            <a:r>
+              <a:rPr lang="de-DE" sz="1400" smtClean="0"/>
+              <a:t>„Hallo Welt“</a:t>
+            </a:r>
+            <a:endParaRPr lang="de-DE" sz="1400"/>
+          </a:p>
+        </p:txBody>
+      </p:sp>
+    </p:spTree>
+    <p:extLst>
+      <p:ext uri="{BB962C8B-B14F-4D97-AF65-F5344CB8AC3E}">
+        <p14:creationId xmlns:p14="http://schemas.microsoft.com/office/powerpoint/2010/main" val="3423124136"/>
+      </p:ext>
+    </p:extLst>
+  </p:cSld>
+  <p:clrMapOvr>
+    <a:masterClrMapping/>
+  </p:clrMapOvr>
+</p:sld>
+</file>
+
+<file path=ppt/slides/slide6.xml><?xml version="1.0" encoding="utf-8"?>
+<p:sld xmlns:a="http://schemas.openxmlformats.org/drawingml/2006/main" xmlns:r="http://schemas.openxmlformats.org/officeDocument/2006/relationships" xmlns:p="http://schemas.openxmlformats.org/presentationml/2006/main">
+  <p:cSld>
+    <p:spTree>
+      <p:nvGrpSpPr>
+        <p:cNvPr id="1" name=""/>
+        <p:cNvGrpSpPr/>
+        <p:nvPr/>
+      </p:nvGrpSpPr>
+      <p:grpSpPr>
+        <a:xfrm>
+          <a:off x="0" y="0"/>
+          <a:ext cx="0" cy="0"/>
+          <a:chOff x="0" y="0"/>
+          <a:chExt cx="0" cy="0"/>
+        </a:xfrm>
+      </p:grpSpPr>
+      <p:sp>
+        <p:nvSpPr>
+          <p:cNvPr id="4" name="Textfeld 3"/>
+          <p:cNvSpPr txBox="1"/>
+          <p:nvPr/>
+        </p:nvSpPr>
+        <p:spPr>
+          <a:xfrm>
+            <a:off x="4548" y="38068"/>
+            <a:ext cx="2209836" cy="369332"/>
+          </a:xfrm>
+          <a:prstGeom prst="rect">
+            <a:avLst/>
+          </a:prstGeom>
+          <a:noFill/>
+        </p:spPr>
+        <p:txBody>
+          <a:bodyPr wrap="none" rtlCol="0">
+            <a:spAutoFit/>
+          </a:bodyPr>
+          <a:lstStyle/>
+          <a:p>
+            <a:r>
+              <a:rPr lang="de-DE" b="1" smtClean="0"/>
+              <a:t>Mit Uppercase-Filter:</a:t>
+            </a:r>
+            <a:endParaRPr lang="de-DE" b="1"/>
+          </a:p>
+        </p:txBody>
+      </p:sp>
+      <p:cxnSp>
+        <p:nvCxnSpPr>
+          <p:cNvPr id="6" name="Gerade Verbindung 5"/>
+          <p:cNvCxnSpPr/>
+          <p:nvPr/>
+        </p:nvCxnSpPr>
+        <p:spPr>
+          <a:xfrm>
+            <a:off x="827584" y="836712"/>
+            <a:ext cx="0" cy="5832648"/>
+          </a:xfrm>
+          <a:prstGeom prst="line">
+            <a:avLst/>
+          </a:prstGeom>
+        </p:spPr>
+        <p:style>
+          <a:lnRef idx="1">
+            <a:schemeClr val="accent1"/>
+          </a:lnRef>
+          <a:fillRef idx="0">
+            <a:schemeClr val="accent1"/>
+          </a:fillRef>
+          <a:effectRef idx="0">
+            <a:schemeClr val="accent1"/>
+          </a:effectRef>
+          <a:fontRef idx="minor">
+            <a:schemeClr val="tx1"/>
+          </a:fontRef>
+        </p:style>
+      </p:cxnSp>
+      <p:sp>
+        <p:nvSpPr>
+          <p:cNvPr id="7" name="Smiley 6"/>
+          <p:cNvSpPr/>
+          <p:nvPr/>
+        </p:nvSpPr>
+        <p:spPr>
+          <a:xfrm>
+            <a:off x="179512" y="1700808"/>
+            <a:ext cx="360040" cy="360040"/>
+          </a:xfrm>
+          <a:prstGeom prst="smileyFace">
+            <a:avLst/>
+          </a:prstGeom>
+        </p:spPr>
+        <p:style>
+          <a:lnRef idx="2">
+            <a:schemeClr val="accent1">
+              <a:shade val="50000"/>
+            </a:schemeClr>
+          </a:lnRef>
+          <a:fillRef idx="1">
+            <a:schemeClr val="accent1"/>
+          </a:fillRef>
+          <a:effectRef idx="0">
+            <a:schemeClr val="accent1"/>
+          </a:effectRef>
+          <a:fontRef idx="minor">
+            <a:schemeClr val="lt1"/>
+          </a:fontRef>
+        </p:style>
+        <p:txBody>
+          <a:bodyPr rtlCol="0" anchor="ctr"/>
+          <a:lstStyle/>
+          <a:p>
+            <a:pPr algn="ctr"/>
+            <a:endParaRPr lang="de-DE"/>
+          </a:p>
+        </p:txBody>
+      </p:sp>
+      <p:sp>
+        <p:nvSpPr>
+          <p:cNvPr id="8" name="Textfeld 7"/>
+          <p:cNvSpPr txBox="1"/>
+          <p:nvPr/>
+        </p:nvSpPr>
+        <p:spPr>
+          <a:xfrm>
+            <a:off x="3275856" y="5277401"/>
+            <a:ext cx="2760499" cy="1200329"/>
+          </a:xfrm>
+          <a:prstGeom prst="rect">
+            <a:avLst/>
+          </a:prstGeom>
+          <a:noFill/>
+        </p:spPr>
+        <p:txBody>
+          <a:bodyPr wrap="none" rtlCol="0">
+            <a:spAutoFit/>
+          </a:bodyPr>
+          <a:lstStyle/>
+          <a:p>
+            <a:r>
+              <a:rPr lang="de-DE" sz="1200" smtClean="0"/>
+              <a:t>Servlet:</a:t>
+            </a:r>
+          </a:p>
+          <a:p>
+            <a:endParaRPr lang="de-DE" sz="1200"/>
+          </a:p>
+          <a:p>
+            <a:r>
+              <a:rPr lang="de-DE" sz="1200" smtClean="0"/>
+              <a:t>… service(request, response) {</a:t>
+            </a:r>
+          </a:p>
+          <a:p>
+            <a:r>
+              <a:rPr lang="de-DE" sz="1200" smtClean="0"/>
+              <a:t>    PrintWriter out = response.getWriter();</a:t>
+            </a:r>
+          </a:p>
+          <a:p>
+            <a:r>
+              <a:rPr lang="de-DE" sz="1200"/>
+              <a:t> </a:t>
+            </a:r>
+            <a:r>
+              <a:rPr lang="de-DE" sz="1200" smtClean="0"/>
+              <a:t>   out.print(„Hallo Welt“);</a:t>
+            </a:r>
+            <a:endParaRPr lang="de-DE" sz="1200"/>
+          </a:p>
+          <a:p>
+            <a:r>
+              <a:rPr lang="de-DE" sz="1200" smtClean="0"/>
+              <a:t>}</a:t>
+            </a:r>
+            <a:endParaRPr lang="de-DE" sz="1200"/>
+          </a:p>
+        </p:txBody>
+      </p:sp>
+      <p:cxnSp>
+        <p:nvCxnSpPr>
+          <p:cNvPr id="10" name="Gerade Verbindung mit Pfeil 9"/>
+          <p:cNvCxnSpPr/>
+          <p:nvPr/>
+        </p:nvCxnSpPr>
+        <p:spPr>
+          <a:xfrm>
+            <a:off x="359532" y="2348880"/>
+            <a:ext cx="1116124" cy="0"/>
+          </a:xfrm>
+          <a:prstGeom prst="straightConnector1">
+            <a:avLst/>
+          </a:prstGeom>
+          <a:ln>
+            <a:tailEnd type="arrow"/>
+          </a:ln>
+        </p:spPr>
+        <p:style>
+          <a:lnRef idx="1">
+            <a:schemeClr val="accent1"/>
+          </a:lnRef>
+          <a:fillRef idx="0">
+            <a:schemeClr val="accent1"/>
+          </a:fillRef>
+          <a:effectRef idx="0">
+            <a:schemeClr val="accent1"/>
+          </a:effectRef>
+          <a:fontRef idx="minor">
+            <a:schemeClr val="tx1"/>
+          </a:fontRef>
+        </p:style>
+      </p:cxnSp>
+      <p:sp>
+        <p:nvSpPr>
+          <p:cNvPr id="12" name="Textfeld 11"/>
+          <p:cNvSpPr txBox="1"/>
+          <p:nvPr/>
+        </p:nvSpPr>
+        <p:spPr>
+          <a:xfrm>
+            <a:off x="344799" y="2391873"/>
+            <a:ext cx="1138710" cy="307777"/>
+          </a:xfrm>
+          <a:prstGeom prst="rect">
+            <a:avLst/>
+          </a:prstGeom>
+          <a:noFill/>
+        </p:spPr>
+        <p:txBody>
+          <a:bodyPr wrap="none" rtlCol="0">
+            <a:spAutoFit/>
+          </a:bodyPr>
+          <a:lstStyle/>
+          <a:p>
+            <a:r>
+              <a:rPr lang="de-DE" sz="1400" smtClean="0"/>
+              <a:t>http-Request</a:t>
+            </a:r>
+            <a:endParaRPr lang="de-DE" sz="1400"/>
+          </a:p>
+        </p:txBody>
+      </p:sp>
+      <p:sp>
+        <p:nvSpPr>
+          <p:cNvPr id="13" name="Rechteck 12"/>
+          <p:cNvSpPr/>
+          <p:nvPr/>
+        </p:nvSpPr>
+        <p:spPr>
+          <a:xfrm>
+            <a:off x="4792618" y="1196752"/>
+            <a:ext cx="648072" cy="340897"/>
+          </a:xfrm>
+          <a:prstGeom prst="rect">
+            <a:avLst/>
+          </a:prstGeom>
+        </p:spPr>
+        <p:style>
+          <a:lnRef idx="2">
+            <a:schemeClr val="accent1">
+              <a:shade val="50000"/>
+            </a:schemeClr>
+          </a:lnRef>
+          <a:fillRef idx="1">
+            <a:schemeClr val="accent1"/>
+          </a:fillRef>
+          <a:effectRef idx="0">
+            <a:schemeClr val="accent1"/>
+          </a:effectRef>
+          <a:fontRef idx="minor">
+            <a:schemeClr val="lt1"/>
+          </a:fontRef>
+        </p:style>
+        <p:txBody>
+          <a:bodyPr rtlCol="0" anchor="ctr"/>
+          <a:lstStyle/>
+          <a:p>
+            <a:pPr algn="ctr"/>
+            <a:endParaRPr lang="de-DE"/>
+          </a:p>
+        </p:txBody>
+      </p:sp>
+      <p:sp>
+        <p:nvSpPr>
+          <p:cNvPr id="14" name="Textfeld 13"/>
+          <p:cNvSpPr txBox="1"/>
+          <p:nvPr/>
+        </p:nvSpPr>
+        <p:spPr>
+          <a:xfrm>
+            <a:off x="5018059" y="898847"/>
+            <a:ext cx="1612364" cy="307777"/>
+          </a:xfrm>
+          <a:prstGeom prst="rect">
+            <a:avLst/>
+          </a:prstGeom>
+          <a:noFill/>
+        </p:spPr>
+        <p:txBody>
+          <a:bodyPr wrap="none" rtlCol="0">
+            <a:spAutoFit/>
+          </a:bodyPr>
+          <a:lstStyle/>
+          <a:p>
+            <a:r>
+              <a:rPr lang="de-DE" sz="1400" smtClean="0"/>
+              <a:t>HttpServletRequest</a:t>
+            </a:r>
+            <a:endParaRPr lang="de-DE" sz="1400"/>
+          </a:p>
+        </p:txBody>
+      </p:sp>
+      <p:sp>
+        <p:nvSpPr>
+          <p:cNvPr id="15" name="Rechteck 14"/>
+          <p:cNvSpPr/>
+          <p:nvPr/>
+        </p:nvSpPr>
+        <p:spPr>
+          <a:xfrm>
+            <a:off x="2801902" y="1986104"/>
+            <a:ext cx="648072" cy="340897"/>
+          </a:xfrm>
+          <a:prstGeom prst="rect">
+            <a:avLst/>
+          </a:prstGeom>
+        </p:spPr>
+        <p:style>
+          <a:lnRef idx="2">
+            <a:schemeClr val="accent1">
+              <a:shade val="50000"/>
+            </a:schemeClr>
+          </a:lnRef>
+          <a:fillRef idx="1">
+            <a:schemeClr val="accent1"/>
+          </a:fillRef>
+          <a:effectRef idx="0">
+            <a:schemeClr val="accent1"/>
+          </a:effectRef>
+          <a:fontRef idx="minor">
+            <a:schemeClr val="lt1"/>
+          </a:fontRef>
+        </p:style>
+        <p:txBody>
+          <a:bodyPr rtlCol="0" anchor="ctr"/>
+          <a:lstStyle/>
+          <a:p>
+            <a:pPr algn="ctr"/>
+            <a:r>
+              <a:rPr lang="de-DE" sz="1400" smtClean="0"/>
+              <a:t>out</a:t>
+            </a:r>
+            <a:endParaRPr lang="de-DE" sz="1400"/>
+          </a:p>
+        </p:txBody>
+      </p:sp>
+      <p:sp>
+        <p:nvSpPr>
+          <p:cNvPr id="16" name="Textfeld 15"/>
+          <p:cNvSpPr txBox="1"/>
+          <p:nvPr/>
+        </p:nvSpPr>
+        <p:spPr>
+          <a:xfrm>
+            <a:off x="3027343" y="1688199"/>
+            <a:ext cx="1718547" cy="307777"/>
+          </a:xfrm>
+          <a:prstGeom prst="rect">
+            <a:avLst/>
+          </a:prstGeom>
+          <a:noFill/>
+        </p:spPr>
+        <p:txBody>
+          <a:bodyPr wrap="none" rtlCol="0">
+            <a:spAutoFit/>
+          </a:bodyPr>
+          <a:lstStyle/>
+          <a:p>
+            <a:r>
+              <a:rPr lang="de-DE" sz="1400" smtClean="0"/>
+              <a:t>HttpServletResponse</a:t>
+            </a:r>
+            <a:endParaRPr lang="de-DE" sz="1400"/>
+          </a:p>
+        </p:txBody>
+      </p:sp>
+      <p:sp>
+        <p:nvSpPr>
+          <p:cNvPr id="17" name="Rechteck 16"/>
+          <p:cNvSpPr/>
+          <p:nvPr/>
+        </p:nvSpPr>
+        <p:spPr>
+          <a:xfrm>
+            <a:off x="2195736" y="2699650"/>
+            <a:ext cx="648072" cy="340897"/>
+          </a:xfrm>
+          <a:prstGeom prst="rect">
+            <a:avLst/>
+          </a:prstGeom>
+        </p:spPr>
+        <p:style>
+          <a:lnRef idx="2">
+            <a:schemeClr val="accent1">
+              <a:shade val="50000"/>
+            </a:schemeClr>
+          </a:lnRef>
+          <a:fillRef idx="1">
+            <a:schemeClr val="accent1"/>
+          </a:fillRef>
+          <a:effectRef idx="0">
+            <a:schemeClr val="accent1"/>
+          </a:effectRef>
+          <a:fontRef idx="minor">
+            <a:schemeClr val="lt1"/>
+          </a:fontRef>
+        </p:style>
+        <p:txBody>
+          <a:bodyPr rtlCol="0" anchor="ctr"/>
+          <a:lstStyle/>
+          <a:p>
+            <a:pPr algn="ctr"/>
+            <a:endParaRPr lang="de-DE"/>
+          </a:p>
+        </p:txBody>
+      </p:sp>
+      <p:sp>
+        <p:nvSpPr>
+          <p:cNvPr id="18" name="Textfeld 17"/>
+          <p:cNvSpPr txBox="1"/>
+          <p:nvPr/>
+        </p:nvSpPr>
+        <p:spPr>
+          <a:xfrm>
+            <a:off x="2422665" y="2545760"/>
+            <a:ext cx="1006173" cy="307777"/>
+          </a:xfrm>
+          <a:prstGeom prst="rect">
+            <a:avLst/>
+          </a:prstGeom>
+          <a:noFill/>
+        </p:spPr>
+        <p:txBody>
+          <a:bodyPr wrap="none" rtlCol="0">
+            <a:spAutoFit/>
+          </a:bodyPr>
+          <a:lstStyle/>
+          <a:p>
+            <a:r>
+              <a:rPr lang="de-DE" sz="1400" smtClean="0"/>
+              <a:t>PrintWriter</a:t>
+            </a:r>
+            <a:endParaRPr lang="de-DE" sz="1400"/>
+          </a:p>
+        </p:txBody>
+      </p:sp>
+      <p:cxnSp>
+        <p:nvCxnSpPr>
+          <p:cNvPr id="20" name="Gerade Verbindung mit Pfeil 19"/>
+          <p:cNvCxnSpPr/>
+          <p:nvPr/>
+        </p:nvCxnSpPr>
+        <p:spPr>
+          <a:xfrm flipH="1">
+            <a:off x="2393920" y="2156552"/>
+            <a:ext cx="633423" cy="543096"/>
+          </a:xfrm>
+          <a:prstGeom prst="straightConnector1">
+            <a:avLst/>
+          </a:prstGeom>
+          <a:ln>
+            <a:solidFill>
+              <a:srgbClr val="FF0000"/>
+            </a:solidFill>
+            <a:tailEnd type="arrow"/>
+          </a:ln>
+        </p:spPr>
+        <p:style>
+          <a:lnRef idx="1">
+            <a:schemeClr val="accent1"/>
+          </a:lnRef>
+          <a:fillRef idx="0">
+            <a:schemeClr val="accent1"/>
+          </a:fillRef>
+          <a:effectRef idx="0">
+            <a:schemeClr val="accent1"/>
+          </a:effectRef>
+          <a:fontRef idx="minor">
+            <a:schemeClr val="tx1"/>
+          </a:fontRef>
+        </p:style>
+      </p:cxnSp>
+      <p:cxnSp>
+        <p:nvCxnSpPr>
+          <p:cNvPr id="23" name="Gerade Verbindung mit Pfeil 22"/>
+          <p:cNvCxnSpPr/>
+          <p:nvPr/>
+        </p:nvCxnSpPr>
+        <p:spPr>
+          <a:xfrm>
+            <a:off x="5440690" y="1688199"/>
+            <a:ext cx="1189733" cy="1524777"/>
+          </a:xfrm>
+          <a:prstGeom prst="straightConnector1">
+            <a:avLst/>
+          </a:prstGeom>
+          <a:ln>
+            <a:prstDash val="lgDash"/>
+            <a:tailEnd type="arrow"/>
+          </a:ln>
+        </p:spPr>
+        <p:style>
+          <a:lnRef idx="1">
+            <a:schemeClr val="accent1"/>
+          </a:lnRef>
+          <a:fillRef idx="0">
+            <a:schemeClr val="accent1"/>
+          </a:fillRef>
+          <a:effectRef idx="0">
+            <a:schemeClr val="accent1"/>
+          </a:effectRef>
+          <a:fontRef idx="minor">
+            <a:schemeClr val="tx1"/>
+          </a:fontRef>
+        </p:style>
+      </p:cxnSp>
+      <p:cxnSp>
+        <p:nvCxnSpPr>
+          <p:cNvPr id="24" name="Gerade Verbindung mit Pfeil 23"/>
+          <p:cNvCxnSpPr/>
+          <p:nvPr/>
+        </p:nvCxnSpPr>
+        <p:spPr>
+          <a:xfrm>
+            <a:off x="3635896" y="2286474"/>
+            <a:ext cx="3744416" cy="926502"/>
+          </a:xfrm>
+          <a:prstGeom prst="straightConnector1">
+            <a:avLst/>
+          </a:prstGeom>
+          <a:ln>
+            <a:prstDash val="lgDash"/>
+            <a:tailEnd type="arrow"/>
+          </a:ln>
+        </p:spPr>
+        <p:style>
+          <a:lnRef idx="1">
+            <a:schemeClr val="accent1"/>
+          </a:lnRef>
+          <a:fillRef idx="0">
+            <a:schemeClr val="accent1"/>
+          </a:fillRef>
+          <a:effectRef idx="0">
+            <a:schemeClr val="accent1"/>
+          </a:effectRef>
+          <a:fontRef idx="minor">
+            <a:schemeClr val="tx1"/>
+          </a:fontRef>
+        </p:style>
+      </p:cxnSp>
+      <p:cxnSp>
+        <p:nvCxnSpPr>
+          <p:cNvPr id="26" name="Gerade Verbindung mit Pfeil 25"/>
+          <p:cNvCxnSpPr/>
+          <p:nvPr/>
+        </p:nvCxnSpPr>
+        <p:spPr>
+          <a:xfrm flipH="1" flipV="1">
+            <a:off x="2710633" y="3212976"/>
+            <a:ext cx="739341" cy="2880320"/>
+          </a:xfrm>
+          <a:prstGeom prst="straightConnector1">
+            <a:avLst/>
+          </a:prstGeom>
+          <a:ln>
+            <a:prstDash val="lgDash"/>
+            <a:tailEnd type="arrow"/>
+          </a:ln>
+        </p:spPr>
+        <p:style>
+          <a:lnRef idx="1">
+            <a:schemeClr val="accent1"/>
+          </a:lnRef>
+          <a:fillRef idx="0">
+            <a:schemeClr val="accent1"/>
+          </a:fillRef>
+          <a:effectRef idx="0">
+            <a:schemeClr val="accent1"/>
+          </a:effectRef>
+          <a:fontRef idx="minor">
+            <a:schemeClr val="tx1"/>
+          </a:fontRef>
+        </p:style>
+      </p:cxnSp>
+      <p:sp>
+        <p:nvSpPr>
+          <p:cNvPr id="30" name="Textfeld 29"/>
+          <p:cNvSpPr txBox="1"/>
+          <p:nvPr/>
+        </p:nvSpPr>
+        <p:spPr>
+          <a:xfrm>
+            <a:off x="2519772" y="3947316"/>
+            <a:ext cx="1099147" cy="307777"/>
+          </a:xfrm>
+          <a:prstGeom prst="rect">
+            <a:avLst/>
+          </a:prstGeom>
+          <a:noFill/>
+        </p:spPr>
+        <p:txBody>
+          <a:bodyPr wrap="none" rtlCol="0">
+            <a:spAutoFit/>
+          </a:bodyPr>
+          <a:lstStyle/>
+          <a:p>
+            <a:r>
+              <a:rPr lang="de-DE" sz="1400" smtClean="0"/>
+              <a:t>„Hallo Welt“</a:t>
+            </a:r>
+            <a:endParaRPr lang="de-DE" sz="1400"/>
+          </a:p>
+        </p:txBody>
+      </p:sp>
+      <p:sp>
+        <p:nvSpPr>
+          <p:cNvPr id="19" name="Textfeld 18"/>
+          <p:cNvSpPr txBox="1"/>
+          <p:nvPr/>
+        </p:nvSpPr>
+        <p:spPr>
+          <a:xfrm>
+            <a:off x="5724128" y="2870098"/>
+            <a:ext cx="3470630" cy="1384995"/>
+          </a:xfrm>
+          <a:prstGeom prst="rect">
+            <a:avLst/>
+          </a:prstGeom>
+          <a:noFill/>
+        </p:spPr>
+        <p:txBody>
+          <a:bodyPr wrap="none" rtlCol="0">
+            <a:spAutoFit/>
+          </a:bodyPr>
+          <a:lstStyle/>
+          <a:p>
+            <a:r>
+              <a:rPr lang="de-DE" sz="1200" smtClean="0"/>
+              <a:t>Filter:</a:t>
+            </a:r>
+          </a:p>
+          <a:p>
+            <a:endParaRPr lang="de-DE" sz="1200"/>
+          </a:p>
+          <a:p>
+            <a:r>
+              <a:rPr lang="de-DE" sz="1200" smtClean="0"/>
+              <a:t>… doFilter(request, response, chain) {</a:t>
+            </a:r>
+          </a:p>
+          <a:p>
+            <a:endParaRPr lang="de-DE" sz="1200" smtClean="0"/>
+          </a:p>
+          <a:p>
+            <a:r>
+              <a:rPr lang="de-DE" sz="1200"/>
+              <a:t> </a:t>
+            </a:r>
+            <a:r>
+              <a:rPr lang="de-DE" sz="1200" smtClean="0"/>
+              <a:t>      chain.doFilter(request, response);</a:t>
+            </a:r>
+          </a:p>
+          <a:p>
+            <a:r>
+              <a:rPr lang="de-DE" sz="1200"/>
+              <a:t> </a:t>
+            </a:r>
+            <a:r>
+              <a:rPr lang="de-DE" sz="1200" smtClean="0"/>
+              <a:t>      </a:t>
+            </a:r>
+            <a:r>
+              <a:rPr lang="de-DE" sz="1200" b="1" smtClean="0"/>
+              <a:t>//kein Zugriff auf den Text  aus dem PrintWriter</a:t>
+            </a:r>
+            <a:endParaRPr lang="de-DE" sz="1200" b="1"/>
+          </a:p>
+          <a:p>
+            <a:r>
+              <a:rPr lang="de-DE" sz="1200" smtClean="0"/>
+              <a:t>}</a:t>
+            </a:r>
+            <a:endParaRPr lang="de-DE" sz="1200"/>
+          </a:p>
+        </p:txBody>
+      </p:sp>
+      <p:cxnSp>
+        <p:nvCxnSpPr>
+          <p:cNvPr id="22" name="Gerade Verbindung mit Pfeil 21"/>
+          <p:cNvCxnSpPr/>
+          <p:nvPr/>
+        </p:nvCxnSpPr>
+        <p:spPr>
+          <a:xfrm flipH="1">
+            <a:off x="4879060" y="3753036"/>
+            <a:ext cx="2933300" cy="1980220"/>
+          </a:xfrm>
+          <a:prstGeom prst="straightConnector1">
+            <a:avLst/>
+          </a:prstGeom>
+          <a:ln>
+            <a:prstDash val="lgDash"/>
+            <a:tailEnd type="arrow"/>
+          </a:ln>
+        </p:spPr>
+        <p:style>
+          <a:lnRef idx="1">
+            <a:schemeClr val="accent1"/>
+          </a:lnRef>
+          <a:fillRef idx="0">
+            <a:schemeClr val="accent1"/>
+          </a:fillRef>
+          <a:effectRef idx="0">
+            <a:schemeClr val="accent1"/>
+          </a:effectRef>
+          <a:fontRef idx="minor">
+            <a:schemeClr val="tx1"/>
+          </a:fontRef>
+        </p:style>
+      </p:cxnSp>
+      <p:cxnSp>
+        <p:nvCxnSpPr>
+          <p:cNvPr id="27" name="Gerade Verbindung mit Pfeil 26"/>
+          <p:cNvCxnSpPr/>
+          <p:nvPr/>
+        </p:nvCxnSpPr>
+        <p:spPr>
+          <a:xfrm flipH="1">
+            <a:off x="4257478" y="3753036"/>
+            <a:ext cx="2933300" cy="1974121"/>
+          </a:xfrm>
+          <a:prstGeom prst="straightConnector1">
+            <a:avLst/>
+          </a:prstGeom>
+          <a:ln>
+            <a:prstDash val="lgDash"/>
+            <a:tailEnd type="arrow"/>
+          </a:ln>
+        </p:spPr>
+        <p:style>
+          <a:lnRef idx="1">
+            <a:schemeClr val="accent1"/>
+          </a:lnRef>
+          <a:fillRef idx="0">
+            <a:schemeClr val="accent1"/>
+          </a:fillRef>
+          <a:effectRef idx="0">
+            <a:schemeClr val="accent1"/>
+          </a:effectRef>
+          <a:fontRef idx="minor">
+            <a:schemeClr val="tx1"/>
+          </a:fontRef>
+        </p:style>
+      </p:cxnSp>
+    </p:spTree>
+    <p:extLst>
+      <p:ext uri="{BB962C8B-B14F-4D97-AF65-F5344CB8AC3E}">
+        <p14:creationId xmlns:p14="http://schemas.microsoft.com/office/powerpoint/2010/main" val="2864942467"/>
+      </p:ext>
+    </p:extLst>
+  </p:cSld>
+  <p:clrMapOvr>
+    <a:masterClrMapping/>
+  </p:clrMapOvr>
+</p:sld>
+</file>
+
+<file path=ppt/slides/slide7.xml><?xml version="1.0" encoding="utf-8"?>
+<p:sld xmlns:a="http://schemas.openxmlformats.org/drawingml/2006/main" xmlns:r="http://schemas.openxmlformats.org/officeDocument/2006/relationships" xmlns:p="http://schemas.openxmlformats.org/presentationml/2006/main">
+  <p:cSld>
+    <p:spTree>
+      <p:nvGrpSpPr>
+        <p:cNvPr id="1" name=""/>
+        <p:cNvGrpSpPr/>
+        <p:nvPr/>
+      </p:nvGrpSpPr>
+      <p:grpSpPr>
+        <a:xfrm>
+          <a:off x="0" y="0"/>
+          <a:ext cx="0" cy="0"/>
+          <a:chOff x="0" y="0"/>
+          <a:chExt cx="0" cy="0"/>
+        </a:xfrm>
+      </p:grpSpPr>
+      <p:sp>
+        <p:nvSpPr>
+          <p:cNvPr id="4" name="Textfeld 3"/>
+          <p:cNvSpPr txBox="1"/>
+          <p:nvPr/>
+        </p:nvSpPr>
+        <p:spPr>
+          <a:xfrm>
+            <a:off x="4548" y="38068"/>
+            <a:ext cx="3637150" cy="369332"/>
+          </a:xfrm>
+          <a:prstGeom prst="rect">
+            <a:avLst/>
+          </a:prstGeom>
+          <a:noFill/>
+        </p:spPr>
+        <p:txBody>
+          <a:bodyPr wrap="none" rtlCol="0">
+            <a:spAutoFit/>
+          </a:bodyPr>
+          <a:lstStyle/>
+          <a:p>
+            <a:r>
+              <a:rPr lang="de-DE" b="1" smtClean="0"/>
+              <a:t>Mit Uppercase-Filter und Decorator:</a:t>
+            </a:r>
+            <a:endParaRPr lang="de-DE" b="1"/>
+          </a:p>
+        </p:txBody>
+      </p:sp>
+      <p:cxnSp>
+        <p:nvCxnSpPr>
+          <p:cNvPr id="6" name="Gerade Verbindung 5"/>
+          <p:cNvCxnSpPr/>
+          <p:nvPr/>
+        </p:nvCxnSpPr>
+        <p:spPr>
+          <a:xfrm>
+            <a:off x="827584" y="836712"/>
+            <a:ext cx="0" cy="5832648"/>
+          </a:xfrm>
+          <a:prstGeom prst="line">
+            <a:avLst/>
+          </a:prstGeom>
+        </p:spPr>
+        <p:style>
+          <a:lnRef idx="1">
+            <a:schemeClr val="accent1"/>
+          </a:lnRef>
+          <a:fillRef idx="0">
+            <a:schemeClr val="accent1"/>
+          </a:fillRef>
+          <a:effectRef idx="0">
+            <a:schemeClr val="accent1"/>
+          </a:effectRef>
+          <a:fontRef idx="minor">
+            <a:schemeClr val="tx1"/>
+          </a:fontRef>
+        </p:style>
+      </p:cxnSp>
+      <p:sp>
+        <p:nvSpPr>
+          <p:cNvPr id="7" name="Smiley 6"/>
+          <p:cNvSpPr/>
+          <p:nvPr/>
+        </p:nvSpPr>
+        <p:spPr>
+          <a:xfrm>
+            <a:off x="179512" y="1700808"/>
+            <a:ext cx="360040" cy="360040"/>
+          </a:xfrm>
+          <a:prstGeom prst="smileyFace">
+            <a:avLst/>
+          </a:prstGeom>
+        </p:spPr>
+        <p:style>
+          <a:lnRef idx="2">
+            <a:schemeClr val="accent1">
+              <a:shade val="50000"/>
+            </a:schemeClr>
+          </a:lnRef>
+          <a:fillRef idx="1">
+            <a:schemeClr val="accent1"/>
+          </a:fillRef>
+          <a:effectRef idx="0">
+            <a:schemeClr val="accent1"/>
+          </a:effectRef>
+          <a:fontRef idx="minor">
+            <a:schemeClr val="lt1"/>
+          </a:fontRef>
+        </p:style>
+        <p:txBody>
+          <a:bodyPr rtlCol="0" anchor="ctr"/>
+          <a:lstStyle/>
+          <a:p>
+            <a:pPr algn="ctr"/>
+            <a:endParaRPr lang="de-DE"/>
+          </a:p>
+        </p:txBody>
+      </p:sp>
+      <p:sp>
+        <p:nvSpPr>
+          <p:cNvPr id="8" name="Textfeld 7"/>
+          <p:cNvSpPr txBox="1"/>
+          <p:nvPr/>
+        </p:nvSpPr>
+        <p:spPr>
+          <a:xfrm>
+            <a:off x="3275856" y="5277401"/>
+            <a:ext cx="2760499" cy="1200329"/>
+          </a:xfrm>
+          <a:prstGeom prst="rect">
+            <a:avLst/>
+          </a:prstGeom>
+          <a:noFill/>
+        </p:spPr>
+        <p:txBody>
+          <a:bodyPr wrap="none" rtlCol="0">
+            <a:spAutoFit/>
+          </a:bodyPr>
+          <a:lstStyle/>
+          <a:p>
+            <a:r>
+              <a:rPr lang="de-DE" sz="1200" smtClean="0"/>
+              <a:t>Servlet:</a:t>
+            </a:r>
+          </a:p>
+          <a:p>
+            <a:endParaRPr lang="de-DE" sz="1200"/>
+          </a:p>
+          <a:p>
+            <a:r>
+              <a:rPr lang="de-DE" sz="1200" smtClean="0"/>
+              <a:t>… service(request, response) {</a:t>
+            </a:r>
+          </a:p>
+          <a:p>
+            <a:r>
+              <a:rPr lang="de-DE" sz="1200" smtClean="0"/>
+              <a:t>    PrintWriter out = response.getWriter();</a:t>
+            </a:r>
+          </a:p>
+          <a:p>
+            <a:r>
+              <a:rPr lang="de-DE" sz="1200"/>
+              <a:t> </a:t>
+            </a:r>
+            <a:r>
+              <a:rPr lang="de-DE" sz="1200" smtClean="0"/>
+              <a:t>   out.print(„Hallo Welt“);</a:t>
+            </a:r>
+            <a:endParaRPr lang="de-DE" sz="1200"/>
+          </a:p>
+          <a:p>
+            <a:r>
+              <a:rPr lang="de-DE" sz="1200" smtClean="0"/>
+              <a:t>}</a:t>
+            </a:r>
+            <a:endParaRPr lang="de-DE" sz="1200"/>
+          </a:p>
+        </p:txBody>
+      </p:sp>
+      <p:cxnSp>
+        <p:nvCxnSpPr>
+          <p:cNvPr id="10" name="Gerade Verbindung mit Pfeil 9"/>
+          <p:cNvCxnSpPr/>
+          <p:nvPr/>
+        </p:nvCxnSpPr>
+        <p:spPr>
+          <a:xfrm>
+            <a:off x="359532" y="2348880"/>
+            <a:ext cx="1116124" cy="0"/>
+          </a:xfrm>
+          <a:prstGeom prst="straightConnector1">
+            <a:avLst/>
+          </a:prstGeom>
+          <a:ln>
+            <a:tailEnd type="arrow"/>
+          </a:ln>
+        </p:spPr>
+        <p:style>
+          <a:lnRef idx="1">
+            <a:schemeClr val="accent1"/>
+          </a:lnRef>
+          <a:fillRef idx="0">
+            <a:schemeClr val="accent1"/>
+          </a:fillRef>
+          <a:effectRef idx="0">
+            <a:schemeClr val="accent1"/>
+          </a:effectRef>
+          <a:fontRef idx="minor">
+            <a:schemeClr val="tx1"/>
+          </a:fontRef>
+        </p:style>
+      </p:cxnSp>
+      <p:sp>
+        <p:nvSpPr>
+          <p:cNvPr id="12" name="Textfeld 11"/>
+          <p:cNvSpPr txBox="1"/>
+          <p:nvPr/>
+        </p:nvSpPr>
+        <p:spPr>
+          <a:xfrm>
+            <a:off x="344799" y="2391873"/>
+            <a:ext cx="1138710" cy="307777"/>
+          </a:xfrm>
+          <a:prstGeom prst="rect">
+            <a:avLst/>
+          </a:prstGeom>
+          <a:noFill/>
+        </p:spPr>
+        <p:txBody>
+          <a:bodyPr wrap="none" rtlCol="0">
+            <a:spAutoFit/>
+          </a:bodyPr>
+          <a:lstStyle/>
+          <a:p>
+            <a:r>
+              <a:rPr lang="de-DE" sz="1400" smtClean="0"/>
+              <a:t>http-Request</a:t>
+            </a:r>
+            <a:endParaRPr lang="de-DE" sz="1400"/>
+          </a:p>
+        </p:txBody>
+      </p:sp>
+      <p:sp>
+        <p:nvSpPr>
+          <p:cNvPr id="13" name="Rechteck 12"/>
+          <p:cNvSpPr/>
+          <p:nvPr/>
+        </p:nvSpPr>
+        <p:spPr>
+          <a:xfrm>
+            <a:off x="4792618" y="1196752"/>
+            <a:ext cx="648072" cy="340897"/>
+          </a:xfrm>
+          <a:prstGeom prst="rect">
+            <a:avLst/>
+          </a:prstGeom>
+        </p:spPr>
+        <p:style>
+          <a:lnRef idx="2">
+            <a:schemeClr val="accent1">
+              <a:shade val="50000"/>
+            </a:schemeClr>
+          </a:lnRef>
+          <a:fillRef idx="1">
+            <a:schemeClr val="accent1"/>
+          </a:fillRef>
+          <a:effectRef idx="0">
+            <a:schemeClr val="accent1"/>
+          </a:effectRef>
+          <a:fontRef idx="minor">
+            <a:schemeClr val="lt1"/>
+          </a:fontRef>
+        </p:style>
+        <p:txBody>
+          <a:bodyPr rtlCol="0" anchor="ctr"/>
+          <a:lstStyle/>
+          <a:p>
+            <a:pPr algn="ctr"/>
+            <a:endParaRPr lang="de-DE"/>
+          </a:p>
+        </p:txBody>
+      </p:sp>
+      <p:sp>
+        <p:nvSpPr>
+          <p:cNvPr id="14" name="Textfeld 13"/>
+          <p:cNvSpPr txBox="1"/>
+          <p:nvPr/>
+        </p:nvSpPr>
+        <p:spPr>
+          <a:xfrm>
+            <a:off x="5018059" y="898847"/>
+            <a:ext cx="1612364" cy="307777"/>
+          </a:xfrm>
+          <a:prstGeom prst="rect">
+            <a:avLst/>
+          </a:prstGeom>
+          <a:noFill/>
+        </p:spPr>
+        <p:txBody>
+          <a:bodyPr wrap="none" rtlCol="0">
+            <a:spAutoFit/>
+          </a:bodyPr>
+          <a:lstStyle/>
+          <a:p>
+            <a:r>
+              <a:rPr lang="de-DE" sz="1400" smtClean="0"/>
+              <a:t>HttpServletRequest</a:t>
+            </a:r>
+            <a:endParaRPr lang="de-DE" sz="1400"/>
+          </a:p>
+        </p:txBody>
+      </p:sp>
+      <p:sp>
+        <p:nvSpPr>
+          <p:cNvPr id="15" name="Rechteck 14"/>
+          <p:cNvSpPr/>
+          <p:nvPr/>
+        </p:nvSpPr>
+        <p:spPr>
+          <a:xfrm>
+            <a:off x="2801902" y="1986104"/>
+            <a:ext cx="648072" cy="340897"/>
+          </a:xfrm>
+          <a:prstGeom prst="rect">
+            <a:avLst/>
+          </a:prstGeom>
+        </p:spPr>
+        <p:style>
+          <a:lnRef idx="2">
+            <a:schemeClr val="accent1">
+              <a:shade val="50000"/>
+            </a:schemeClr>
+          </a:lnRef>
+          <a:fillRef idx="1">
+            <a:schemeClr val="accent1"/>
+          </a:fillRef>
+          <a:effectRef idx="0">
+            <a:schemeClr val="accent1"/>
+          </a:effectRef>
+          <a:fontRef idx="minor">
+            <a:schemeClr val="lt1"/>
+          </a:fontRef>
+        </p:style>
+        <p:txBody>
+          <a:bodyPr rtlCol="0" anchor="ctr"/>
+          <a:lstStyle/>
+          <a:p>
+            <a:pPr algn="ctr"/>
+            <a:r>
+              <a:rPr lang="de-DE" sz="1400" smtClean="0"/>
+              <a:t>out</a:t>
+            </a:r>
+            <a:endParaRPr lang="de-DE" sz="1400"/>
+          </a:p>
+        </p:txBody>
+      </p:sp>
+      <p:sp>
+        <p:nvSpPr>
+          <p:cNvPr id="16" name="Textfeld 15"/>
+          <p:cNvSpPr txBox="1"/>
+          <p:nvPr/>
+        </p:nvSpPr>
+        <p:spPr>
+          <a:xfrm>
+            <a:off x="3027343" y="1688199"/>
+            <a:ext cx="1718547" cy="307777"/>
+          </a:xfrm>
+          <a:prstGeom prst="rect">
+            <a:avLst/>
+          </a:prstGeom>
+          <a:noFill/>
+        </p:spPr>
+        <p:txBody>
+          <a:bodyPr wrap="none" rtlCol="0">
+            <a:spAutoFit/>
+          </a:bodyPr>
+          <a:lstStyle/>
+          <a:p>
+            <a:r>
+              <a:rPr lang="de-DE" sz="1400" smtClean="0"/>
+              <a:t>HttpServletResponse</a:t>
+            </a:r>
+            <a:endParaRPr lang="de-DE" sz="1400"/>
+          </a:p>
+        </p:txBody>
+      </p:sp>
+      <p:sp>
+        <p:nvSpPr>
+          <p:cNvPr id="17" name="Rechteck 16"/>
+          <p:cNvSpPr/>
+          <p:nvPr/>
+        </p:nvSpPr>
+        <p:spPr>
+          <a:xfrm>
+            <a:off x="2195736" y="2699650"/>
+            <a:ext cx="648072" cy="340897"/>
+          </a:xfrm>
+          <a:prstGeom prst="rect">
+            <a:avLst/>
+          </a:prstGeom>
+        </p:spPr>
+        <p:style>
+          <a:lnRef idx="2">
+            <a:schemeClr val="accent1">
+              <a:shade val="50000"/>
+            </a:schemeClr>
+          </a:lnRef>
+          <a:fillRef idx="1">
+            <a:schemeClr val="accent1"/>
+          </a:fillRef>
+          <a:effectRef idx="0">
+            <a:schemeClr val="accent1"/>
+          </a:effectRef>
+          <a:fontRef idx="minor">
+            <a:schemeClr val="lt1"/>
+          </a:fontRef>
+        </p:style>
+        <p:txBody>
+          <a:bodyPr rtlCol="0" anchor="ctr"/>
+          <a:lstStyle/>
+          <a:p>
+            <a:pPr algn="ctr"/>
+            <a:endParaRPr lang="de-DE"/>
+          </a:p>
+        </p:txBody>
+      </p:sp>
+      <p:sp>
+        <p:nvSpPr>
+          <p:cNvPr id="18" name="Textfeld 17"/>
+          <p:cNvSpPr txBox="1"/>
+          <p:nvPr/>
+        </p:nvSpPr>
+        <p:spPr>
+          <a:xfrm>
+            <a:off x="2422665" y="2545760"/>
+            <a:ext cx="1006173" cy="307777"/>
+          </a:xfrm>
+          <a:prstGeom prst="rect">
+            <a:avLst/>
+          </a:prstGeom>
+          <a:noFill/>
+        </p:spPr>
+        <p:txBody>
+          <a:bodyPr wrap="none" rtlCol="0">
+            <a:spAutoFit/>
+          </a:bodyPr>
+          <a:lstStyle/>
+          <a:p>
+            <a:r>
+              <a:rPr lang="de-DE" sz="1400" smtClean="0"/>
+              <a:t>PrintWriter</a:t>
+            </a:r>
+            <a:endParaRPr lang="de-DE" sz="1400"/>
+          </a:p>
+        </p:txBody>
+      </p:sp>
+      <p:cxnSp>
+        <p:nvCxnSpPr>
+          <p:cNvPr id="20" name="Gerade Verbindung mit Pfeil 19"/>
+          <p:cNvCxnSpPr/>
+          <p:nvPr/>
+        </p:nvCxnSpPr>
+        <p:spPr>
+          <a:xfrm flipH="1">
+            <a:off x="2393920" y="2156552"/>
+            <a:ext cx="633423" cy="543096"/>
+          </a:xfrm>
+          <a:prstGeom prst="straightConnector1">
+            <a:avLst/>
+          </a:prstGeom>
+          <a:ln>
+            <a:solidFill>
+              <a:srgbClr val="FF0000"/>
+            </a:solidFill>
+            <a:tailEnd type="arrow"/>
+          </a:ln>
+        </p:spPr>
+        <p:style>
+          <a:lnRef idx="1">
+            <a:schemeClr val="accent1"/>
+          </a:lnRef>
+          <a:fillRef idx="0">
+            <a:schemeClr val="accent1"/>
+          </a:fillRef>
+          <a:effectRef idx="0">
+            <a:schemeClr val="accent1"/>
+          </a:effectRef>
+          <a:fontRef idx="minor">
+            <a:schemeClr val="tx1"/>
+          </a:fontRef>
+        </p:style>
+      </p:cxnSp>
+      <p:cxnSp>
+        <p:nvCxnSpPr>
+          <p:cNvPr id="23" name="Gerade Verbindung mit Pfeil 22"/>
+          <p:cNvCxnSpPr/>
+          <p:nvPr/>
+        </p:nvCxnSpPr>
+        <p:spPr>
+          <a:xfrm>
+            <a:off x="5440690" y="1688199"/>
+            <a:ext cx="1189733" cy="1524777"/>
+          </a:xfrm>
+          <a:prstGeom prst="straightConnector1">
+            <a:avLst/>
+          </a:prstGeom>
+          <a:ln>
+            <a:prstDash val="lgDash"/>
+            <a:tailEnd type="arrow"/>
+          </a:ln>
+        </p:spPr>
+        <p:style>
+          <a:lnRef idx="1">
+            <a:schemeClr val="accent1"/>
+          </a:lnRef>
+          <a:fillRef idx="0">
+            <a:schemeClr val="accent1"/>
+          </a:fillRef>
+          <a:effectRef idx="0">
+            <a:schemeClr val="accent1"/>
+          </a:effectRef>
+          <a:fontRef idx="minor">
+            <a:schemeClr val="tx1"/>
+          </a:fontRef>
+        </p:style>
+      </p:cxnSp>
+      <p:cxnSp>
+        <p:nvCxnSpPr>
+          <p:cNvPr id="24" name="Gerade Verbindung mit Pfeil 23"/>
+          <p:cNvCxnSpPr/>
+          <p:nvPr/>
+        </p:nvCxnSpPr>
+        <p:spPr>
+          <a:xfrm>
+            <a:off x="3635896" y="2286474"/>
+            <a:ext cx="3744416" cy="926502"/>
+          </a:xfrm>
+          <a:prstGeom prst="straightConnector1">
+            <a:avLst/>
+          </a:prstGeom>
+          <a:ln>
+            <a:prstDash val="lgDash"/>
+            <a:tailEnd type="arrow"/>
+          </a:ln>
+        </p:spPr>
+        <p:style>
+          <a:lnRef idx="1">
+            <a:schemeClr val="accent1"/>
+          </a:lnRef>
+          <a:fillRef idx="0">
+            <a:schemeClr val="accent1"/>
+          </a:fillRef>
+          <a:effectRef idx="0">
+            <a:schemeClr val="accent1"/>
+          </a:effectRef>
+          <a:fontRef idx="minor">
+            <a:schemeClr val="tx1"/>
+          </a:fontRef>
+        </p:style>
+      </p:cxnSp>
+      <p:cxnSp>
+        <p:nvCxnSpPr>
+          <p:cNvPr id="26" name="Gerade Verbindung mit Pfeil 25"/>
+          <p:cNvCxnSpPr/>
+          <p:nvPr/>
+        </p:nvCxnSpPr>
+        <p:spPr>
+          <a:xfrm flipV="1">
+            <a:off x="3449975" y="4255093"/>
+            <a:ext cx="689749" cy="1838203"/>
+          </a:xfrm>
+          <a:prstGeom prst="straightConnector1">
+            <a:avLst/>
+          </a:prstGeom>
+          <a:ln>
+            <a:prstDash val="lgDash"/>
+            <a:tailEnd type="arrow"/>
+          </a:ln>
+        </p:spPr>
+        <p:style>
+          <a:lnRef idx="1">
+            <a:schemeClr val="accent1"/>
+          </a:lnRef>
+          <a:fillRef idx="0">
+            <a:schemeClr val="accent1"/>
+          </a:fillRef>
+          <a:effectRef idx="0">
+            <a:schemeClr val="accent1"/>
+          </a:effectRef>
+          <a:fontRef idx="minor">
+            <a:schemeClr val="tx1"/>
+          </a:fontRef>
+        </p:style>
+      </p:cxnSp>
+      <p:sp>
+        <p:nvSpPr>
+          <p:cNvPr id="30" name="Textfeld 29"/>
+          <p:cNvSpPr txBox="1"/>
+          <p:nvPr/>
+        </p:nvSpPr>
+        <p:spPr>
+          <a:xfrm>
+            <a:off x="3504548" y="4435369"/>
+            <a:ext cx="1099147" cy="307777"/>
+          </a:xfrm>
+          <a:prstGeom prst="rect">
+            <a:avLst/>
+          </a:prstGeom>
+          <a:noFill/>
+        </p:spPr>
+        <p:txBody>
+          <a:bodyPr wrap="none" rtlCol="0">
+            <a:spAutoFit/>
+          </a:bodyPr>
+          <a:lstStyle/>
+          <a:p>
+            <a:r>
+              <a:rPr lang="de-DE" sz="1400" smtClean="0"/>
+              <a:t>„Hallo Welt“</a:t>
+            </a:r>
+            <a:endParaRPr lang="de-DE" sz="1400"/>
+          </a:p>
+        </p:txBody>
+      </p:sp>
+      <p:sp>
+        <p:nvSpPr>
+          <p:cNvPr id="19" name="Textfeld 18"/>
+          <p:cNvSpPr txBox="1"/>
+          <p:nvPr/>
+        </p:nvSpPr>
+        <p:spPr>
+          <a:xfrm>
+            <a:off x="5724128" y="2870098"/>
+            <a:ext cx="2812821" cy="1384995"/>
+          </a:xfrm>
+          <a:prstGeom prst="rect">
+            <a:avLst/>
+          </a:prstGeom>
+          <a:noFill/>
+        </p:spPr>
+        <p:txBody>
+          <a:bodyPr wrap="none" rtlCol="0">
+            <a:spAutoFit/>
+          </a:bodyPr>
+          <a:lstStyle/>
+          <a:p>
+            <a:r>
+              <a:rPr lang="de-DE" sz="1200" smtClean="0"/>
+              <a:t>Filter:</a:t>
+            </a:r>
+          </a:p>
+          <a:p>
+            <a:endParaRPr lang="de-DE" sz="1200"/>
+          </a:p>
+          <a:p>
+            <a:r>
+              <a:rPr lang="de-DE" sz="1200" smtClean="0"/>
+              <a:t>… doFilter(request, response, chain) {</a:t>
+            </a:r>
+          </a:p>
+          <a:p>
+            <a:r>
+              <a:rPr lang="de-DE" sz="1200" smtClean="0"/>
+              <a:t>       </a:t>
+            </a:r>
+            <a:r>
+              <a:rPr lang="de-DE" sz="1200" smtClean="0">
+                <a:solidFill>
+                  <a:srgbClr val="FF0000"/>
+                </a:solidFill>
+              </a:rPr>
+              <a:t>MyResponse myResponse = new …</a:t>
+            </a:r>
+          </a:p>
+          <a:p>
+            <a:r>
+              <a:rPr lang="de-DE" sz="1200"/>
+              <a:t> </a:t>
+            </a:r>
+            <a:r>
+              <a:rPr lang="de-DE" sz="1200" smtClean="0"/>
+              <a:t>      chain.doFilter(request, </a:t>
+            </a:r>
+            <a:r>
+              <a:rPr lang="de-DE" sz="1200" smtClean="0">
+                <a:solidFill>
+                  <a:srgbClr val="FF0000"/>
+                </a:solidFill>
+              </a:rPr>
+              <a:t>myResponse</a:t>
+            </a:r>
+            <a:r>
+              <a:rPr lang="de-DE" sz="1200" smtClean="0"/>
+              <a:t>);</a:t>
+            </a:r>
+          </a:p>
+          <a:p>
+            <a:r>
+              <a:rPr lang="de-DE" sz="1200"/>
+              <a:t> </a:t>
+            </a:r>
+            <a:r>
+              <a:rPr lang="de-DE" sz="1200" smtClean="0"/>
+              <a:t>      </a:t>
+            </a:r>
+            <a:endParaRPr lang="de-DE" sz="1200" b="1"/>
+          </a:p>
+          <a:p>
+            <a:r>
+              <a:rPr lang="de-DE" sz="1200" smtClean="0"/>
+              <a:t>}</a:t>
+            </a:r>
+            <a:endParaRPr lang="de-DE" sz="1200"/>
+          </a:p>
+        </p:txBody>
+      </p:sp>
+      <p:cxnSp>
+        <p:nvCxnSpPr>
+          <p:cNvPr id="22" name="Gerade Verbindung mit Pfeil 21"/>
+          <p:cNvCxnSpPr/>
+          <p:nvPr/>
+        </p:nvCxnSpPr>
+        <p:spPr>
+          <a:xfrm flipH="1">
+            <a:off x="4879060" y="3753036"/>
+            <a:ext cx="2933300" cy="1980220"/>
+          </a:xfrm>
+          <a:prstGeom prst="straightConnector1">
+            <a:avLst/>
+          </a:prstGeom>
+          <a:ln>
+            <a:prstDash val="lgDash"/>
+            <a:tailEnd type="arrow"/>
+          </a:ln>
+        </p:spPr>
+        <p:style>
+          <a:lnRef idx="1">
+            <a:schemeClr val="accent1"/>
+          </a:lnRef>
+          <a:fillRef idx="0">
+            <a:schemeClr val="accent1"/>
+          </a:fillRef>
+          <a:effectRef idx="0">
+            <a:schemeClr val="accent1"/>
+          </a:effectRef>
+          <a:fontRef idx="minor">
+            <a:schemeClr val="tx1"/>
+          </a:fontRef>
+        </p:style>
+      </p:cxnSp>
+      <p:cxnSp>
+        <p:nvCxnSpPr>
+          <p:cNvPr id="27" name="Gerade Verbindung mit Pfeil 26"/>
+          <p:cNvCxnSpPr/>
+          <p:nvPr/>
+        </p:nvCxnSpPr>
+        <p:spPr>
+          <a:xfrm flipH="1">
+            <a:off x="4257478" y="3753036"/>
+            <a:ext cx="2933300" cy="1974121"/>
+          </a:xfrm>
+          <a:prstGeom prst="straightConnector1">
+            <a:avLst/>
+          </a:prstGeom>
+          <a:ln>
+            <a:prstDash val="lgDash"/>
+            <a:tailEnd type="arrow"/>
+          </a:ln>
+        </p:spPr>
+        <p:style>
+          <a:lnRef idx="1">
+            <a:schemeClr val="accent1"/>
+          </a:lnRef>
+          <a:fillRef idx="0">
+            <a:schemeClr val="accent1"/>
+          </a:fillRef>
+          <a:effectRef idx="0">
+            <a:schemeClr val="accent1"/>
+          </a:effectRef>
+          <a:fontRef idx="minor">
+            <a:schemeClr val="tx1"/>
+          </a:fontRef>
+        </p:style>
+      </p:cxnSp>
+      <p:sp>
+        <p:nvSpPr>
+          <p:cNvPr id="25" name="Rechteck 24"/>
+          <p:cNvSpPr/>
+          <p:nvPr/>
+        </p:nvSpPr>
+        <p:spPr>
+          <a:xfrm>
+            <a:off x="4421854" y="3154915"/>
+            <a:ext cx="648072" cy="340897"/>
+          </a:xfrm>
+          <a:prstGeom prst="rect">
+            <a:avLst/>
+          </a:prstGeom>
+        </p:spPr>
+        <p:style>
+          <a:lnRef idx="2">
+            <a:schemeClr val="accent1">
+              <a:shade val="50000"/>
+            </a:schemeClr>
+          </a:lnRef>
+          <a:fillRef idx="1">
+            <a:schemeClr val="accent1"/>
+          </a:fillRef>
+          <a:effectRef idx="0">
+            <a:schemeClr val="accent1"/>
+          </a:effectRef>
+          <a:fontRef idx="minor">
+            <a:schemeClr val="lt1"/>
+          </a:fontRef>
+        </p:style>
+        <p:txBody>
+          <a:bodyPr rtlCol="0" anchor="ctr"/>
+          <a:lstStyle/>
+          <a:p>
+            <a:pPr algn="ctr"/>
+            <a:r>
+              <a:rPr lang="de-DE" sz="1400" smtClean="0"/>
+              <a:t>out</a:t>
+            </a:r>
+            <a:endParaRPr lang="de-DE" sz="1400"/>
+          </a:p>
+        </p:txBody>
+      </p:sp>
+      <p:sp>
+        <p:nvSpPr>
+          <p:cNvPr id="28" name="Rechteck 27"/>
+          <p:cNvSpPr/>
+          <p:nvPr/>
+        </p:nvSpPr>
+        <p:spPr>
+          <a:xfrm>
+            <a:off x="3815688" y="3868461"/>
+            <a:ext cx="648072" cy="340897"/>
+          </a:xfrm>
+          <a:prstGeom prst="rect">
+            <a:avLst/>
+          </a:prstGeom>
+        </p:spPr>
+        <p:style>
+          <a:lnRef idx="2">
+            <a:schemeClr val="accent1">
+              <a:shade val="50000"/>
+            </a:schemeClr>
+          </a:lnRef>
+          <a:fillRef idx="1">
+            <a:schemeClr val="accent1"/>
+          </a:fillRef>
+          <a:effectRef idx="0">
+            <a:schemeClr val="accent1"/>
+          </a:effectRef>
+          <a:fontRef idx="minor">
+            <a:schemeClr val="lt1"/>
+          </a:fontRef>
+        </p:style>
+        <p:txBody>
+          <a:bodyPr rtlCol="0" anchor="ctr"/>
+          <a:lstStyle/>
+          <a:p>
+            <a:pPr algn="ctr"/>
+            <a:endParaRPr lang="de-DE"/>
+          </a:p>
+        </p:txBody>
+      </p:sp>
+      <p:sp>
+        <p:nvSpPr>
+          <p:cNvPr id="29" name="Textfeld 28"/>
+          <p:cNvSpPr txBox="1"/>
+          <p:nvPr/>
+        </p:nvSpPr>
+        <p:spPr>
+          <a:xfrm>
+            <a:off x="4042617" y="3714571"/>
+            <a:ext cx="890821" cy="307777"/>
+          </a:xfrm>
+          <a:prstGeom prst="rect">
+            <a:avLst/>
+          </a:prstGeom>
+          <a:noFill/>
+        </p:spPr>
+        <p:txBody>
+          <a:bodyPr wrap="none" rtlCol="0">
+            <a:spAutoFit/>
+          </a:bodyPr>
+          <a:lstStyle/>
+          <a:p>
+            <a:r>
+              <a:rPr lang="de-DE" sz="1400" smtClean="0"/>
+              <a:t>MyWriter</a:t>
+            </a:r>
+            <a:endParaRPr lang="de-DE" sz="1400"/>
+          </a:p>
+        </p:txBody>
+      </p:sp>
+      <p:cxnSp>
+        <p:nvCxnSpPr>
+          <p:cNvPr id="31" name="Gerade Verbindung mit Pfeil 30"/>
+          <p:cNvCxnSpPr/>
+          <p:nvPr/>
+        </p:nvCxnSpPr>
+        <p:spPr>
+          <a:xfrm flipH="1">
+            <a:off x="4013872" y="3325363"/>
+            <a:ext cx="633423" cy="543096"/>
+          </a:xfrm>
+          <a:prstGeom prst="straightConnector1">
+            <a:avLst/>
+          </a:prstGeom>
+          <a:ln>
+            <a:solidFill>
+              <a:srgbClr val="FF0000"/>
+            </a:solidFill>
+            <a:tailEnd type="arrow"/>
+          </a:ln>
+        </p:spPr>
+        <p:style>
+          <a:lnRef idx="1">
+            <a:schemeClr val="accent1"/>
+          </a:lnRef>
+          <a:fillRef idx="0">
+            <a:schemeClr val="accent1"/>
+          </a:fillRef>
+          <a:effectRef idx="0">
+            <a:schemeClr val="accent1"/>
+          </a:effectRef>
+          <a:fontRef idx="minor">
+            <a:schemeClr val="tx1"/>
+          </a:fontRef>
+        </p:style>
+      </p:cxnSp>
+      <p:sp>
+        <p:nvSpPr>
+          <p:cNvPr id="32" name="Textfeld 31"/>
+          <p:cNvSpPr txBox="1"/>
+          <p:nvPr/>
+        </p:nvSpPr>
+        <p:spPr>
+          <a:xfrm>
+            <a:off x="3722143" y="2905199"/>
+            <a:ext cx="1119281" cy="307777"/>
+          </a:xfrm>
+          <a:prstGeom prst="rect">
+            <a:avLst/>
+          </a:prstGeom>
+          <a:noFill/>
+        </p:spPr>
+        <p:txBody>
+          <a:bodyPr wrap="none" rtlCol="0">
+            <a:spAutoFit/>
+          </a:bodyPr>
+          <a:lstStyle/>
+          <a:p>
+            <a:r>
+              <a:rPr lang="de-DE" sz="1400" smtClean="0"/>
+              <a:t>MyResponse</a:t>
+            </a:r>
+            <a:endParaRPr lang="de-DE" sz="1400"/>
+          </a:p>
+        </p:txBody>
+      </p:sp>
+    </p:spTree>
+    <p:extLst>
+      <p:ext uri="{BB962C8B-B14F-4D97-AF65-F5344CB8AC3E}">
+        <p14:creationId xmlns:p14="http://schemas.microsoft.com/office/powerpoint/2010/main" val="313740513"/>
       </p:ext>
     </p:extLst>
   </p:cSld>
